--- a/lectures/oop/creating-classes-day2-slides.pptx
+++ b/lectures/oop/creating-classes-day2-slides.pptx
@@ -244,7 +244,7 @@
           <a:p>
             <a:fld id="{F8E94EDD-C6B1-F54A-9FB8-529A9C70E247}" type="datetimeFigureOut">
               <a:rPr lang="en-US" smtClean="0"/>
-              <a:t>9/23/22</a:t>
+              <a:t>9/30/24</a:t>
             </a:fld>
             <a:endParaRPr lang="en-US"/>
           </a:p>
@@ -414,7 +414,7 @@
           <a:p>
             <a:fld id="{F8E94EDD-C6B1-F54A-9FB8-529A9C70E247}" type="datetimeFigureOut">
               <a:rPr lang="en-US" smtClean="0"/>
-              <a:t>9/23/22</a:t>
+              <a:t>9/30/24</a:t>
             </a:fld>
             <a:endParaRPr lang="en-US"/>
           </a:p>
@@ -594,7 +594,7 @@
           <a:p>
             <a:fld id="{F8E94EDD-C6B1-F54A-9FB8-529A9C70E247}" type="datetimeFigureOut">
               <a:rPr lang="en-US" smtClean="0"/>
-              <a:t>9/23/22</a:t>
+              <a:t>9/30/24</a:t>
             </a:fld>
             <a:endParaRPr lang="en-US"/>
           </a:p>
@@ -774,7 +774,7 @@
           <a:p>
             <a:fld id="{F8E94EDD-C6B1-F54A-9FB8-529A9C70E247}" type="datetimeFigureOut">
               <a:rPr lang="en-US" smtClean="0"/>
-              <a:t>9/23/22</a:t>
+              <a:t>9/30/24</a:t>
             </a:fld>
             <a:endParaRPr lang="en-US"/>
           </a:p>
@@ -1018,7 +1018,7 @@
           <a:p>
             <a:fld id="{F8E94EDD-C6B1-F54A-9FB8-529A9C70E247}" type="datetimeFigureOut">
               <a:rPr lang="en-US" smtClean="0"/>
-              <a:t>9/23/22</a:t>
+              <a:t>9/30/24</a:t>
             </a:fld>
             <a:endParaRPr lang="en-US"/>
           </a:p>
@@ -1250,7 +1250,7 @@
           <a:p>
             <a:fld id="{F8E94EDD-C6B1-F54A-9FB8-529A9C70E247}" type="datetimeFigureOut">
               <a:rPr lang="en-US" smtClean="0"/>
-              <a:t>9/23/22</a:t>
+              <a:t>9/30/24</a:t>
             </a:fld>
             <a:endParaRPr lang="en-US"/>
           </a:p>
@@ -1617,7 +1617,7 @@
           <a:p>
             <a:fld id="{F8E94EDD-C6B1-F54A-9FB8-529A9C70E247}" type="datetimeFigureOut">
               <a:rPr lang="en-US" smtClean="0"/>
-              <a:t>9/23/22</a:t>
+              <a:t>9/30/24</a:t>
             </a:fld>
             <a:endParaRPr lang="en-US"/>
           </a:p>
@@ -1735,7 +1735,7 @@
           <a:p>
             <a:fld id="{F8E94EDD-C6B1-F54A-9FB8-529A9C70E247}" type="datetimeFigureOut">
               <a:rPr lang="en-US" smtClean="0"/>
-              <a:t>9/23/22</a:t>
+              <a:t>9/30/24</a:t>
             </a:fld>
             <a:endParaRPr lang="en-US"/>
           </a:p>
@@ -1830,7 +1830,7 @@
           <a:p>
             <a:fld id="{F8E94EDD-C6B1-F54A-9FB8-529A9C70E247}" type="datetimeFigureOut">
               <a:rPr lang="en-US" smtClean="0"/>
-              <a:t>9/23/22</a:t>
+              <a:t>9/30/24</a:t>
             </a:fld>
             <a:endParaRPr lang="en-US"/>
           </a:p>
@@ -2107,7 +2107,7 @@
           <a:p>
             <a:fld id="{F8E94EDD-C6B1-F54A-9FB8-529A9C70E247}" type="datetimeFigureOut">
               <a:rPr lang="en-US" smtClean="0"/>
-              <a:t>9/23/22</a:t>
+              <a:t>9/30/24</a:t>
             </a:fld>
             <a:endParaRPr lang="en-US"/>
           </a:p>
@@ -2364,7 +2364,7 @@
           <a:p>
             <a:fld id="{F8E94EDD-C6B1-F54A-9FB8-529A9C70E247}" type="datetimeFigureOut">
               <a:rPr lang="en-US" smtClean="0"/>
-              <a:t>9/23/22</a:t>
+              <a:t>9/30/24</a:t>
             </a:fld>
             <a:endParaRPr lang="en-US"/>
           </a:p>
@@ -2577,7 +2577,7 @@
           <a:p>
             <a:fld id="{F8E94EDD-C6B1-F54A-9FB8-529A9C70E247}" type="datetimeFigureOut">
               <a:rPr lang="en-US" smtClean="0"/>
-              <a:t>9/23/22</a:t>
+              <a:t>9/30/24</a:t>
             </a:fld>
             <a:endParaRPr lang="en-US"/>
           </a:p>
@@ -3080,7 +3080,7 @@
           <a:p>
             <a:r>
               <a:rPr lang="en-US" dirty="0"/>
-              <a:t>To your Cat class, add the ability for the cat to have some amount of energy (an int). The cat’s energy can never go below zero. </a:t>
+              <a:t>To your Dog class, add the ability for the dog to have some amount of energy (an int). The dog’s energy can never go below zero. </a:t>
             </a:r>
           </a:p>
           <a:p>
@@ -3130,13 +3130,21 @@
           <a:p>
             <a:r>
               <a:rPr lang="en-US" dirty="0"/>
-              <a:t>Add a method for the cat to play(). Playing fetch tires the cat out, so it lowers the cat’s energy by 1. Test your code. </a:t>
-            </a:r>
-          </a:p>
-          <a:p>
+              <a:t>Add a method for the dog to </a:t>
+            </a:r>
+            <a:r>
+              <a:rPr lang="en-US" dirty="0" err="1"/>
+              <a:t>playFetch</a:t>
+            </a:r>
             <a:r>
               <a:rPr lang="en-US" dirty="0"/>
-              <a:t>Add a method for the cat to sleep for a certain number of hours. The cat’s energy should be raised proportionally to the number of hours it sleeps. Test your code.</a:t>
+              <a:t>(). Playing fetch tires the dog out, so it lowers the dog’s energy by 1. Test your code. </a:t>
+            </a:r>
+          </a:p>
+          <a:p>
+            <a:r>
+              <a:rPr lang="en-US" dirty="0"/>
+              <a:t>Add a method for the dog to sleep for a certain number of hours. The dog’s energy should be raised proportionally to the number of hours it sleeps. Test your code.</a:t>
             </a:r>
           </a:p>
           <a:p>
@@ -3150,11 +3158,11 @@
             </a:r>
             <a:r>
               <a:rPr lang="en-US" dirty="0"/>
-              <a:t>(Cat friend) to allow a cat to play with another cat. Playing with another cat lowers </a:t>
-            </a:r>
-            <a:r>
-              <a:rPr lang="en-US"/>
-              <a:t>both cats’ </a:t>
+              <a:t>(Dog friend) to allow a dog to play with another dog. Playing with another dog lowers </a:t>
+            </a:r>
+            <a:r>
+              <a:rPr lang="en-US"/>
+              <a:t>both dogs’ </a:t>
             </a:r>
             <a:r>
               <a:rPr lang="en-US" dirty="0"/>
